--- a/docs/images/rs-vs-deploy.pptx
+++ b/docs/images/rs-vs-deploy.pptx
@@ -245,7 +245,7 @@
           <a:p>
             <a:fld id="{7F7B62DA-8992-4475-B647-5FA8317943B2}" type="datetimeFigureOut">
               <a:rPr lang="en-GB" smtClean="0"/>
-              <a:t>25/04/2021</a:t>
+              <a:t>27/04/2021</a:t>
             </a:fld>
             <a:endParaRPr lang="en-GB"/>
           </a:p>
@@ -415,7 +415,7 @@
           <a:p>
             <a:fld id="{7F7B62DA-8992-4475-B647-5FA8317943B2}" type="datetimeFigureOut">
               <a:rPr lang="en-GB" smtClean="0"/>
-              <a:t>25/04/2021</a:t>
+              <a:t>27/04/2021</a:t>
             </a:fld>
             <a:endParaRPr lang="en-GB"/>
           </a:p>
@@ -595,7 +595,7 @@
           <a:p>
             <a:fld id="{7F7B62DA-8992-4475-B647-5FA8317943B2}" type="datetimeFigureOut">
               <a:rPr lang="en-GB" smtClean="0"/>
-              <a:t>25/04/2021</a:t>
+              <a:t>27/04/2021</a:t>
             </a:fld>
             <a:endParaRPr lang="en-GB"/>
           </a:p>
@@ -765,7 +765,7 @@
           <a:p>
             <a:fld id="{7F7B62DA-8992-4475-B647-5FA8317943B2}" type="datetimeFigureOut">
               <a:rPr lang="en-GB" smtClean="0"/>
-              <a:t>25/04/2021</a:t>
+              <a:t>27/04/2021</a:t>
             </a:fld>
             <a:endParaRPr lang="en-GB"/>
           </a:p>
@@ -1011,7 +1011,7 @@
           <a:p>
             <a:fld id="{7F7B62DA-8992-4475-B647-5FA8317943B2}" type="datetimeFigureOut">
               <a:rPr lang="en-GB" smtClean="0"/>
-              <a:t>25/04/2021</a:t>
+              <a:t>27/04/2021</a:t>
             </a:fld>
             <a:endParaRPr lang="en-GB"/>
           </a:p>
@@ -1243,7 +1243,7 @@
           <a:p>
             <a:fld id="{7F7B62DA-8992-4475-B647-5FA8317943B2}" type="datetimeFigureOut">
               <a:rPr lang="en-GB" smtClean="0"/>
-              <a:t>25/04/2021</a:t>
+              <a:t>27/04/2021</a:t>
             </a:fld>
             <a:endParaRPr lang="en-GB"/>
           </a:p>
@@ -1610,7 +1610,7 @@
           <a:p>
             <a:fld id="{7F7B62DA-8992-4475-B647-5FA8317943B2}" type="datetimeFigureOut">
               <a:rPr lang="en-GB" smtClean="0"/>
-              <a:t>25/04/2021</a:t>
+              <a:t>27/04/2021</a:t>
             </a:fld>
             <a:endParaRPr lang="en-GB"/>
           </a:p>
@@ -1728,7 +1728,7 @@
           <a:p>
             <a:fld id="{7F7B62DA-8992-4475-B647-5FA8317943B2}" type="datetimeFigureOut">
               <a:rPr lang="en-GB" smtClean="0"/>
-              <a:t>25/04/2021</a:t>
+              <a:t>27/04/2021</a:t>
             </a:fld>
             <a:endParaRPr lang="en-GB"/>
           </a:p>
@@ -1823,7 +1823,7 @@
           <a:p>
             <a:fld id="{7F7B62DA-8992-4475-B647-5FA8317943B2}" type="datetimeFigureOut">
               <a:rPr lang="en-GB" smtClean="0"/>
-              <a:t>25/04/2021</a:t>
+              <a:t>27/04/2021</a:t>
             </a:fld>
             <a:endParaRPr lang="en-GB"/>
           </a:p>
@@ -2100,7 +2100,7 @@
           <a:p>
             <a:fld id="{7F7B62DA-8992-4475-B647-5FA8317943B2}" type="datetimeFigureOut">
               <a:rPr lang="en-GB" smtClean="0"/>
-              <a:t>25/04/2021</a:t>
+              <a:t>27/04/2021</a:t>
             </a:fld>
             <a:endParaRPr lang="en-GB"/>
           </a:p>
@@ -2353,7 +2353,7 @@
           <a:p>
             <a:fld id="{7F7B62DA-8992-4475-B647-5FA8317943B2}" type="datetimeFigureOut">
               <a:rPr lang="en-GB" smtClean="0"/>
-              <a:t>25/04/2021</a:t>
+              <a:t>27/04/2021</a:t>
             </a:fld>
             <a:endParaRPr lang="en-GB"/>
           </a:p>
@@ -2566,7 +2566,7 @@
           <a:p>
             <a:fld id="{7F7B62DA-8992-4475-B647-5FA8317943B2}" type="datetimeFigureOut">
               <a:rPr lang="en-GB" smtClean="0"/>
-              <a:t>25/04/2021</a:t>
+              <a:t>27/04/2021</a:t>
             </a:fld>
             <a:endParaRPr lang="en-GB"/>
           </a:p>
@@ -4649,7 +4649,7 @@
         </p:nvSpPr>
         <p:spPr>
           <a:xfrm>
-            <a:off x="545887" y="400050"/>
+            <a:off x="537178" y="400050"/>
             <a:ext cx="2038350" cy="348255"/>
           </a:xfrm>
           <a:prstGeom prst="snip1Rect">
@@ -4693,7 +4693,7 @@
         </p:nvSpPr>
         <p:spPr>
           <a:xfrm>
-            <a:off x="6594262" y="419100"/>
+            <a:off x="6585553" y="419100"/>
             <a:ext cx="2038350" cy="348255"/>
           </a:xfrm>
           <a:prstGeom prst="snip1Rect">
